--- a/オリジナルステートパターンのクラス図.pptx
+++ b/オリジナルステートパターンのクラス図.pptx
@@ -3616,10 +3616,10 @@
       </p:grpSpPr>
       <p:sp>
         <p:nvSpPr>
-          <p:cNvPr id="4" name="正方形/長方形 3">
-            <a:extLst>
-              <a:ext uri="{FF2B5EF4-FFF2-40B4-BE49-F238E27FC236}">
-                <a16:creationId xmlns:a16="http://schemas.microsoft.com/office/drawing/2014/main" id="{630FECFF-5E0E-4577-B980-2719250E032C}"/>
+          <p:cNvPr id="34" name="四角形: 角を丸くする 33">
+            <a:extLst>
+              <a:ext uri="{FF2B5EF4-FFF2-40B4-BE49-F238E27FC236}">
+                <a16:creationId xmlns:a16="http://schemas.microsoft.com/office/drawing/2014/main" id="{40BFB021-1623-4A35-946E-66933028CBC3}"/>
               </a:ext>
             </a:extLst>
           </p:cNvPr>
@@ -3628,24 +3628,24 @@
         </p:nvSpPr>
         <p:spPr>
           <a:xfrm>
-            <a:off x="3896139" y="149087"/>
-            <a:ext cx="3902735" cy="914400"/>
+            <a:off x="6399606" y="1823328"/>
+            <a:ext cx="1838735" cy="923330"/>
           </a:xfrm>
-          <a:prstGeom prst="rect">
+          <a:prstGeom prst="roundRect">
             <a:avLst/>
           </a:prstGeom>
         </p:spPr>
         <p:style>
           <a:lnRef idx="2">
-            <a:schemeClr val="accent1">
+            <a:schemeClr val="accent5">
               <a:shade val="50000"/>
             </a:schemeClr>
           </a:lnRef>
           <a:fillRef idx="1">
-            <a:schemeClr val="accent1"/>
+            <a:schemeClr val="accent5"/>
           </a:fillRef>
           <a:effectRef idx="0">
-            <a:schemeClr val="accent1"/>
+            <a:schemeClr val="accent5"/>
           </a:effectRef>
           <a:fontRef idx="minor">
             <a:schemeClr val="lt1"/>
@@ -3657,10 +3657,110 @@
           <a:p>
             <a:pPr algn="ctr"/>
             <a:r>
+              <a:rPr lang="en-US" altLang="ja-JP" dirty="0" err="1"/>
+              <a:t>CPlayer_State</a:t>
+            </a:r>
+            <a:endParaRPr kumimoji="1" lang="ja-JP" altLang="en-US" dirty="0"/>
+          </a:p>
+        </p:txBody>
+      </p:sp>
+      <p:sp>
+        <p:nvSpPr>
+          <p:cNvPr id="35" name="四角形: 角を丸くする 34">
+            <a:extLst>
+              <a:ext uri="{FF2B5EF4-FFF2-40B4-BE49-F238E27FC236}">
+                <a16:creationId xmlns:a16="http://schemas.microsoft.com/office/drawing/2014/main" id="{A0DD6BDD-F786-4FF3-B845-1B3FA1BCA3E3}"/>
+              </a:ext>
+            </a:extLst>
+          </p:cNvPr>
+          <p:cNvSpPr/>
+          <p:nvPr/>
+        </p:nvSpPr>
+        <p:spPr>
+          <a:xfrm>
+            <a:off x="3491933" y="1817233"/>
+            <a:ext cx="1838735" cy="923330"/>
+          </a:xfrm>
+          <a:prstGeom prst="roundRect">
+            <a:avLst/>
+          </a:prstGeom>
+        </p:spPr>
+        <p:style>
+          <a:lnRef idx="2">
+            <a:schemeClr val="accent5">
+              <a:shade val="50000"/>
+            </a:schemeClr>
+          </a:lnRef>
+          <a:fillRef idx="1">
+            <a:schemeClr val="accent5"/>
+          </a:fillRef>
+          <a:effectRef idx="0">
+            <a:schemeClr val="accent5"/>
+          </a:effectRef>
+          <a:fontRef idx="minor">
+            <a:schemeClr val="lt1"/>
+          </a:fontRef>
+        </p:style>
+        <p:txBody>
+          <a:bodyPr rtlCol="0" anchor="ctr"/>
+          <a:lstStyle/>
+          <a:p>
+            <a:pPr algn="ctr"/>
+            <a:r>
+              <a:rPr lang="en-US" altLang="ja-JP" dirty="0" err="1"/>
+              <a:t>CBoss_State</a:t>
+            </a:r>
+            <a:endParaRPr kumimoji="1" lang="ja-JP" altLang="en-US" dirty="0"/>
+          </a:p>
+        </p:txBody>
+      </p:sp>
+      <p:sp>
+        <p:nvSpPr>
+          <p:cNvPr id="3" name="四角形: 角を丸くする 2">
+            <a:extLst>
+              <a:ext uri="{FF2B5EF4-FFF2-40B4-BE49-F238E27FC236}">
+                <a16:creationId xmlns:a16="http://schemas.microsoft.com/office/drawing/2014/main" id="{7C53502D-73E6-44B2-8B97-63772823FF14}"/>
+              </a:ext>
+            </a:extLst>
+          </p:cNvPr>
+          <p:cNvSpPr/>
+          <p:nvPr/>
+        </p:nvSpPr>
+        <p:spPr>
+          <a:xfrm>
+            <a:off x="3793408" y="123115"/>
+            <a:ext cx="4108196" cy="923330"/>
+          </a:xfrm>
+          <a:prstGeom prst="roundRect">
+            <a:avLst/>
+          </a:prstGeom>
+        </p:spPr>
+        <p:style>
+          <a:lnRef idx="2">
+            <a:schemeClr val="accent5">
+              <a:shade val="50000"/>
+            </a:schemeClr>
+          </a:lnRef>
+          <a:fillRef idx="1">
+            <a:schemeClr val="accent5"/>
+          </a:fillRef>
+          <a:effectRef idx="0">
+            <a:schemeClr val="accent5"/>
+          </a:effectRef>
+          <a:fontRef idx="minor">
+            <a:schemeClr val="lt1"/>
+          </a:fontRef>
+        </p:style>
+        <p:txBody>
+          <a:bodyPr rtlCol="0" anchor="ctr"/>
+          <a:lstStyle/>
+          <a:p>
+            <a:pPr algn="ctr"/>
+            <a:r>
               <a:rPr kumimoji="1" lang="en-US" altLang="ja-JP" dirty="0" err="1"/>
               <a:t>CState</a:t>
             </a:r>
-            <a:endParaRPr kumimoji="1" lang="en-US" altLang="ja-JP" dirty="0"/>
+            <a:endParaRPr kumimoji="1" lang="ja-JP" altLang="en-US" dirty="0"/>
           </a:p>
         </p:txBody>
       </p:sp>
@@ -3709,56 +3809,6 @@
             <a:r>
               <a:rPr kumimoji="1" lang="en-US" altLang="ja-JP" dirty="0" err="1"/>
               <a:t>CPlayer</a:t>
-            </a:r>
-            <a:endParaRPr kumimoji="1" lang="en-US" altLang="ja-JP" dirty="0"/>
-          </a:p>
-        </p:txBody>
-      </p:sp>
-      <p:sp>
-        <p:nvSpPr>
-          <p:cNvPr id="6" name="正方形/長方形 5">
-            <a:extLst>
-              <a:ext uri="{FF2B5EF4-FFF2-40B4-BE49-F238E27FC236}">
-                <a16:creationId xmlns:a16="http://schemas.microsoft.com/office/drawing/2014/main" id="{F3B09188-B17A-4075-A171-35BF90EFB9B4}"/>
-              </a:ext>
-            </a:extLst>
-          </p:cNvPr>
-          <p:cNvSpPr/>
-          <p:nvPr/>
-        </p:nvSpPr>
-        <p:spPr>
-          <a:xfrm>
-            <a:off x="6402422" y="1828802"/>
-            <a:ext cx="1838739" cy="914400"/>
-          </a:xfrm>
-          <a:prstGeom prst="rect">
-            <a:avLst/>
-          </a:prstGeom>
-        </p:spPr>
-        <p:style>
-          <a:lnRef idx="2">
-            <a:schemeClr val="accent1">
-              <a:shade val="50000"/>
-            </a:schemeClr>
-          </a:lnRef>
-          <a:fillRef idx="1">
-            <a:schemeClr val="accent1"/>
-          </a:fillRef>
-          <a:effectRef idx="0">
-            <a:schemeClr val="accent1"/>
-          </a:effectRef>
-          <a:fontRef idx="minor">
-            <a:schemeClr val="lt1"/>
-          </a:fontRef>
-        </p:style>
-        <p:txBody>
-          <a:bodyPr rtlCol="0" anchor="ctr"/>
-          <a:lstStyle/>
-          <a:p>
-            <a:pPr algn="ctr"/>
-            <a:r>
-              <a:rPr kumimoji="1" lang="en-US" altLang="ja-JP" dirty="0" err="1"/>
-              <a:t>CPlayer_State</a:t>
             </a:r>
             <a:endParaRPr kumimoji="1" lang="en-US" altLang="ja-JP" dirty="0"/>
           </a:p>
@@ -4346,56 +4396,6 @@
           </a:fontRef>
         </p:style>
       </p:cxnSp>
-      <p:sp>
-        <p:nvSpPr>
-          <p:cNvPr id="39" name="正方形/長方形 38">
-            <a:extLst>
-              <a:ext uri="{FF2B5EF4-FFF2-40B4-BE49-F238E27FC236}">
-                <a16:creationId xmlns:a16="http://schemas.microsoft.com/office/drawing/2014/main" id="{CFE8A984-A8EE-46F6-A031-0F47948ED606}"/>
-              </a:ext>
-            </a:extLst>
-          </p:cNvPr>
-          <p:cNvSpPr/>
-          <p:nvPr/>
-        </p:nvSpPr>
-        <p:spPr>
-          <a:xfrm>
-            <a:off x="3491933" y="1828802"/>
-            <a:ext cx="1838739" cy="914400"/>
-          </a:xfrm>
-          <a:prstGeom prst="rect">
-            <a:avLst/>
-          </a:prstGeom>
-        </p:spPr>
-        <p:style>
-          <a:lnRef idx="2">
-            <a:schemeClr val="accent1">
-              <a:shade val="50000"/>
-            </a:schemeClr>
-          </a:lnRef>
-          <a:fillRef idx="1">
-            <a:schemeClr val="accent1"/>
-          </a:fillRef>
-          <a:effectRef idx="0">
-            <a:schemeClr val="accent1"/>
-          </a:effectRef>
-          <a:fontRef idx="minor">
-            <a:schemeClr val="lt1"/>
-          </a:fontRef>
-        </p:style>
-        <p:txBody>
-          <a:bodyPr rtlCol="0" anchor="ctr"/>
-          <a:lstStyle/>
-          <a:p>
-            <a:pPr algn="ctr"/>
-            <a:r>
-              <a:rPr kumimoji="1" lang="en-US" altLang="ja-JP" dirty="0" err="1"/>
-              <a:t>CBoss_State</a:t>
-            </a:r>
-            <a:endParaRPr kumimoji="1" lang="en-US" altLang="ja-JP" dirty="0"/>
-          </a:p>
-        </p:txBody>
-      </p:sp>
       <p:cxnSp>
         <p:nvCxnSpPr>
           <p:cNvPr id="47" name="直線コネクタ 46">
@@ -5615,6 +5615,103 @@
           </a:fontRef>
         </p:style>
       </p:cxnSp>
+      <p:sp>
+        <p:nvSpPr>
+          <p:cNvPr id="11" name="四角形: 角を丸くする 10">
+            <a:extLst>
+              <a:ext uri="{FF2B5EF4-FFF2-40B4-BE49-F238E27FC236}">
+                <a16:creationId xmlns:a16="http://schemas.microsoft.com/office/drawing/2014/main" id="{5FD94650-928D-470E-A403-FCC3B0E9D961}"/>
+              </a:ext>
+            </a:extLst>
+          </p:cNvPr>
+          <p:cNvSpPr/>
+          <p:nvPr/>
+        </p:nvSpPr>
+        <p:spPr>
+          <a:xfrm>
+            <a:off x="105869" y="565098"/>
+            <a:ext cx="1438150" cy="381094"/>
+          </a:xfrm>
+          <a:prstGeom prst="roundRect">
+            <a:avLst/>
+          </a:prstGeom>
+        </p:spPr>
+        <p:style>
+          <a:lnRef idx="3">
+            <a:schemeClr val="lt1"/>
+          </a:lnRef>
+          <a:fillRef idx="1">
+            <a:schemeClr val="accent5"/>
+          </a:fillRef>
+          <a:effectRef idx="1">
+            <a:schemeClr val="accent5"/>
+          </a:effectRef>
+          <a:fontRef idx="minor">
+            <a:schemeClr val="lt1"/>
+          </a:fontRef>
+        </p:style>
+        <p:txBody>
+          <a:bodyPr rtlCol="0" anchor="ctr"/>
+          <a:lstStyle/>
+          <a:p>
+            <a:pPr algn="ctr"/>
+            <a:r>
+              <a:rPr lang="ja-JP" altLang="en-US" dirty="0"/>
+              <a:t>抽象クラス</a:t>
+            </a:r>
+            <a:endParaRPr kumimoji="1" lang="ja-JP" altLang="en-US" dirty="0"/>
+          </a:p>
+        </p:txBody>
+      </p:sp>
+      <p:sp>
+        <p:nvSpPr>
+          <p:cNvPr id="15" name="正方形/長方形 14">
+            <a:extLst>
+              <a:ext uri="{FF2B5EF4-FFF2-40B4-BE49-F238E27FC236}">
+                <a16:creationId xmlns:a16="http://schemas.microsoft.com/office/drawing/2014/main" id="{41C046D6-DC28-4D65-A91D-32AB26BB6FAF}"/>
+              </a:ext>
+            </a:extLst>
+          </p:cNvPr>
+          <p:cNvSpPr/>
+          <p:nvPr/>
+        </p:nvSpPr>
+        <p:spPr>
+          <a:xfrm>
+            <a:off x="115602" y="117743"/>
+            <a:ext cx="1418683" cy="381094"/>
+          </a:xfrm>
+          <a:prstGeom prst="rect">
+            <a:avLst/>
+          </a:prstGeom>
+        </p:spPr>
+        <p:style>
+          <a:lnRef idx="2">
+            <a:schemeClr val="accent1">
+              <a:shade val="50000"/>
+            </a:schemeClr>
+          </a:lnRef>
+          <a:fillRef idx="1">
+            <a:schemeClr val="accent1"/>
+          </a:fillRef>
+          <a:effectRef idx="0">
+            <a:schemeClr val="accent1"/>
+          </a:effectRef>
+          <a:fontRef idx="minor">
+            <a:schemeClr val="lt1"/>
+          </a:fontRef>
+        </p:style>
+        <p:txBody>
+          <a:bodyPr rtlCol="0" anchor="ctr"/>
+          <a:lstStyle/>
+          <a:p>
+            <a:pPr algn="ctr"/>
+            <a:r>
+              <a:rPr kumimoji="1" lang="ja-JP" altLang="en-US" dirty="0"/>
+              <a:t>具象クラス</a:t>
+            </a:r>
+          </a:p>
+        </p:txBody>
+      </p:sp>
     </p:spTree>
     <p:extLst>
       <p:ext uri="{BB962C8B-B14F-4D97-AF65-F5344CB8AC3E}">
